--- a/report/figure.pptx
+++ b/report/figure.pptx
@@ -6,13 +6,13 @@
   </p:sldMasterIdLst>
   <p:sldIdLst>
     <p:sldId id="262" r:id="rId2"/>
-    <p:sldId id="257" r:id="rId3"/>
-    <p:sldId id="258" r:id="rId4"/>
+    <p:sldId id="260" r:id="rId3"/>
+    <p:sldId id="261" r:id="rId4"/>
     <p:sldId id="259" r:id="rId5"/>
-    <p:sldId id="260" r:id="rId6"/>
-    <p:sldId id="261" r:id="rId7"/>
-    <p:sldId id="264" r:id="rId8"/>
-    <p:sldId id="263" r:id="rId9"/>
+    <p:sldId id="265" r:id="rId6"/>
+    <p:sldId id="266" r:id="rId7"/>
+    <p:sldId id="267" r:id="rId8"/>
+    <p:sldId id="268" r:id="rId9"/>
   </p:sldIdLst>
   <p:sldSz cx="12192000" cy="6858000"/>
   <p:notesSz cx="6858000" cy="9144000"/>
@@ -279,7 +279,7 @@
           <a:p>
             <a:fld id="{3241D144-FBFD-4986-8042-45A3BF404C41}" type="datetimeFigureOut">
               <a:rPr lang="en-US" smtClean="0"/>
-              <a:t>6/18/2022</a:t>
+              <a:t>6/19/2022</a:t>
             </a:fld>
             <a:endParaRPr lang="en-US"/>
           </a:p>
@@ -479,7 +479,7 @@
           <a:p>
             <a:fld id="{3241D144-FBFD-4986-8042-45A3BF404C41}" type="datetimeFigureOut">
               <a:rPr lang="en-US" smtClean="0"/>
-              <a:t>6/18/2022</a:t>
+              <a:t>6/19/2022</a:t>
             </a:fld>
             <a:endParaRPr lang="en-US"/>
           </a:p>
@@ -689,7 +689,7 @@
           <a:p>
             <a:fld id="{3241D144-FBFD-4986-8042-45A3BF404C41}" type="datetimeFigureOut">
               <a:rPr lang="en-US" smtClean="0"/>
-              <a:t>6/18/2022</a:t>
+              <a:t>6/19/2022</a:t>
             </a:fld>
             <a:endParaRPr lang="en-US"/>
           </a:p>
@@ -889,7 +889,7 @@
           <a:p>
             <a:fld id="{3241D144-FBFD-4986-8042-45A3BF404C41}" type="datetimeFigureOut">
               <a:rPr lang="en-US" smtClean="0"/>
-              <a:t>6/18/2022</a:t>
+              <a:t>6/19/2022</a:t>
             </a:fld>
             <a:endParaRPr lang="en-US"/>
           </a:p>
@@ -1165,7 +1165,7 @@
           <a:p>
             <a:fld id="{3241D144-FBFD-4986-8042-45A3BF404C41}" type="datetimeFigureOut">
               <a:rPr lang="en-US" smtClean="0"/>
-              <a:t>6/18/2022</a:t>
+              <a:t>6/19/2022</a:t>
             </a:fld>
             <a:endParaRPr lang="en-US"/>
           </a:p>
@@ -1433,7 +1433,7 @@
           <a:p>
             <a:fld id="{3241D144-FBFD-4986-8042-45A3BF404C41}" type="datetimeFigureOut">
               <a:rPr lang="en-US" smtClean="0"/>
-              <a:t>6/18/2022</a:t>
+              <a:t>6/19/2022</a:t>
             </a:fld>
             <a:endParaRPr lang="en-US"/>
           </a:p>
@@ -1848,7 +1848,7 @@
           <a:p>
             <a:fld id="{3241D144-FBFD-4986-8042-45A3BF404C41}" type="datetimeFigureOut">
               <a:rPr lang="en-US" smtClean="0"/>
-              <a:t>6/18/2022</a:t>
+              <a:t>6/19/2022</a:t>
             </a:fld>
             <a:endParaRPr lang="en-US"/>
           </a:p>
@@ -1990,7 +1990,7 @@
           <a:p>
             <a:fld id="{3241D144-FBFD-4986-8042-45A3BF404C41}" type="datetimeFigureOut">
               <a:rPr lang="en-US" smtClean="0"/>
-              <a:t>6/18/2022</a:t>
+              <a:t>6/19/2022</a:t>
             </a:fld>
             <a:endParaRPr lang="en-US"/>
           </a:p>
@@ -2103,7 +2103,7 @@
           <a:p>
             <a:fld id="{3241D144-FBFD-4986-8042-45A3BF404C41}" type="datetimeFigureOut">
               <a:rPr lang="en-US" smtClean="0"/>
-              <a:t>6/18/2022</a:t>
+              <a:t>6/19/2022</a:t>
             </a:fld>
             <a:endParaRPr lang="en-US"/>
           </a:p>
@@ -2416,7 +2416,7 @@
           <a:p>
             <a:fld id="{3241D144-FBFD-4986-8042-45A3BF404C41}" type="datetimeFigureOut">
               <a:rPr lang="en-US" smtClean="0"/>
-              <a:t>6/18/2022</a:t>
+              <a:t>6/19/2022</a:t>
             </a:fld>
             <a:endParaRPr lang="en-US"/>
           </a:p>
@@ -2705,7 +2705,7 @@
           <a:p>
             <a:fld id="{3241D144-FBFD-4986-8042-45A3BF404C41}" type="datetimeFigureOut">
               <a:rPr lang="en-US" smtClean="0"/>
-              <a:t>6/18/2022</a:t>
+              <a:t>6/19/2022</a:t>
             </a:fld>
             <a:endParaRPr lang="en-US"/>
           </a:p>
@@ -2948,7 +2948,7 @@
           <a:p>
             <a:fld id="{3241D144-FBFD-4986-8042-45A3BF404C41}" type="datetimeFigureOut">
               <a:rPr lang="en-US" smtClean="0"/>
-              <a:t>6/18/2022</a:t>
+              <a:t>6/19/2022</a:t>
             </a:fld>
             <a:endParaRPr lang="en-US"/>
           </a:p>
@@ -3379,8 +3379,8 @@
         </p:nvSpPr>
         <p:spPr>
           <a:xfrm>
-            <a:off x="4532851" y="6172205"/>
-            <a:ext cx="2530679" cy="369332"/>
+            <a:off x="1865152" y="6172205"/>
+            <a:ext cx="8814033" cy="923330"/>
           </a:xfrm>
           <a:prstGeom prst="rect">
             <a:avLst/>
@@ -3397,6 +3397,34 @@
                 <a:ea typeface="標楷體" panose="03000509000000000000" pitchFamily="65" charset="-120"/>
                 <a:cs typeface="Times New Roman" panose="02020603050405020304" pitchFamily="18" charset="0"/>
               </a:rPr>
+              <a:t>圖</a:t>
+            </a:r>
+            <a:r>
+              <a:rPr lang="en-US" altLang="zh-TW" dirty="0">
+                <a:ea typeface="標楷體" panose="03000509000000000000" pitchFamily="65" charset="-120"/>
+                <a:cs typeface="Times New Roman" panose="02020603050405020304" pitchFamily="18" charset="0"/>
+              </a:rPr>
+              <a:t>1</a:t>
+            </a:r>
+            <a:r>
+              <a:rPr lang="zh-TW" altLang="en-US" dirty="0">
+                <a:ea typeface="標楷體" panose="03000509000000000000" pitchFamily="65" charset="-120"/>
+                <a:cs typeface="Times New Roman" panose="02020603050405020304" pitchFamily="18" charset="0"/>
+              </a:rPr>
+              <a:t>、</a:t>
+            </a:r>
+            <a:r>
+              <a:rPr lang="en-US" altLang="zh-TW" dirty="0">
+                <a:ea typeface="標楷體" panose="03000509000000000000" pitchFamily="65" charset="-120"/>
+                <a:cs typeface="Times New Roman" panose="02020603050405020304" pitchFamily="18" charset="0"/>
+              </a:rPr>
+              <a:t>(a)</a:t>
+            </a:r>
+            <a:r>
+              <a:rPr lang="zh-TW" altLang="en-US" dirty="0">
+                <a:ea typeface="標楷體" panose="03000509000000000000" pitchFamily="65" charset="-120"/>
+                <a:cs typeface="Times New Roman" panose="02020603050405020304" pitchFamily="18" charset="0"/>
+              </a:rPr>
               <a:t>臺灣</a:t>
             </a:r>
             <a:r>
@@ -3406,16 +3434,178 @@
               </a:rPr>
               <a:t>採樣地點分布圖。</a:t>
             </a:r>
+            <a:r>
+              <a:rPr lang="zh-TW" altLang="en-US" dirty="0">
+                <a:ea typeface="標楷體" panose="03000509000000000000" pitchFamily="65" charset="-120"/>
+                <a:cs typeface="Times New Roman" panose="02020603050405020304" pitchFamily="18" charset="0"/>
+              </a:rPr>
+              <a:t>（</a:t>
+            </a:r>
+            <a:r>
+              <a:rPr lang="en-US" altLang="zh-TW" dirty="0">
+                <a:latin typeface="標楷體" panose="03000509000000000000" pitchFamily="65" charset="-120"/>
+                <a:ea typeface="標楷體" panose="03000509000000000000" pitchFamily="65" charset="-120"/>
+                <a:cs typeface="Arial" panose="020B0604020202020204" pitchFamily="34" charset="0"/>
+              </a:rPr>
+              <a:t>b</a:t>
+            </a:r>
+            <a:r>
+              <a:rPr lang="zh-TW" altLang="en-US" dirty="0">
+                <a:ea typeface="標楷體" panose="03000509000000000000" pitchFamily="65" charset="-120"/>
+                <a:cs typeface="Times New Roman" panose="02020603050405020304" pitchFamily="18" charset="0"/>
+              </a:rPr>
+              <a:t>）</a:t>
+            </a:r>
+            <a:r>
+              <a:rPr lang="zh-TW" altLang="en-US" dirty="0">
+                <a:ea typeface="標楷體" panose="03000509000000000000" pitchFamily="65" charset="-120"/>
+                <a:cs typeface="Arial" panose="020B0604020202020204" pitchFamily="34" charset="0"/>
+              </a:rPr>
+              <a:t>澎湖、</a:t>
+            </a:r>
+            <a:r>
+              <a:rPr lang="zh-TW" altLang="en-US" dirty="0">
+                <a:ea typeface="標楷體" panose="03000509000000000000" pitchFamily="65" charset="-120"/>
+                <a:cs typeface="Times New Roman" panose="02020603050405020304" pitchFamily="18" charset="0"/>
+              </a:rPr>
+              <a:t>（</a:t>
+            </a:r>
+            <a:r>
+              <a:rPr lang="en-US" altLang="zh-TW" dirty="0">
+                <a:latin typeface="標楷體" panose="03000509000000000000" pitchFamily="65" charset="-120"/>
+                <a:ea typeface="標楷體" panose="03000509000000000000" pitchFamily="65" charset="-120"/>
+                <a:cs typeface="Arial" panose="020B0604020202020204" pitchFamily="34" charset="0"/>
+              </a:rPr>
+              <a:t>c</a:t>
+            </a:r>
+            <a:r>
+              <a:rPr lang="zh-TW" altLang="en-US" dirty="0">
+                <a:ea typeface="標楷體" panose="03000509000000000000" pitchFamily="65" charset="-120"/>
+                <a:cs typeface="Times New Roman" panose="02020603050405020304" pitchFamily="18" charset="0"/>
+              </a:rPr>
+              <a:t>）</a:t>
+            </a:r>
+            <a:r>
+              <a:rPr lang="zh-TW" altLang="en-US" dirty="0">
+                <a:ea typeface="標楷體" panose="03000509000000000000" pitchFamily="65" charset="-120"/>
+                <a:cs typeface="Arial" panose="020B0604020202020204" pitchFamily="34" charset="0"/>
+              </a:rPr>
+              <a:t>北</a:t>
+            </a:r>
+            <a:r>
+              <a:rPr lang="zh-TW" altLang="en-US" dirty="0">
+                <a:ea typeface="標楷體" panose="03000509000000000000" pitchFamily="65" charset="-120"/>
+                <a:cs typeface="Times New Roman" panose="02020603050405020304" pitchFamily="18" charset="0"/>
+              </a:rPr>
+              <a:t>臺灣、（</a:t>
+            </a:r>
+            <a:r>
+              <a:rPr lang="en-US" altLang="zh-TW" dirty="0">
+                <a:latin typeface="標楷體" panose="03000509000000000000" pitchFamily="65" charset="-120"/>
+                <a:ea typeface="標楷體" panose="03000509000000000000" pitchFamily="65" charset="-120"/>
+                <a:cs typeface="Arial" panose="020B0604020202020204" pitchFamily="34" charset="0"/>
+              </a:rPr>
+              <a:t>d</a:t>
+            </a:r>
+            <a:r>
+              <a:rPr lang="zh-TW" altLang="en-US" dirty="0">
+                <a:ea typeface="標楷體" panose="03000509000000000000" pitchFamily="65" charset="-120"/>
+                <a:cs typeface="Times New Roman" panose="02020603050405020304" pitchFamily="18" charset="0"/>
+              </a:rPr>
+              <a:t>）</a:t>
+            </a:r>
+            <a:r>
+              <a:rPr lang="zh-TW" altLang="en-US" dirty="0">
+                <a:ea typeface="標楷體" panose="03000509000000000000" pitchFamily="65" charset="-120"/>
+                <a:cs typeface="Arial" panose="020B0604020202020204" pitchFamily="34" charset="0"/>
+              </a:rPr>
+              <a:t>桃園、</a:t>
+            </a:r>
+            <a:r>
+              <a:rPr lang="zh-TW" altLang="en-US" dirty="0">
+                <a:ea typeface="標楷體" panose="03000509000000000000" pitchFamily="65" charset="-120"/>
+                <a:cs typeface="Times New Roman" panose="02020603050405020304" pitchFamily="18" charset="0"/>
+              </a:rPr>
+              <a:t> （</a:t>
+            </a:r>
+            <a:r>
+              <a:rPr lang="en-US" altLang="zh-TW" dirty="0">
+                <a:latin typeface="標楷體" panose="03000509000000000000" pitchFamily="65" charset="-120"/>
+                <a:ea typeface="標楷體" panose="03000509000000000000" pitchFamily="65" charset="-120"/>
+                <a:cs typeface="Arial" panose="020B0604020202020204" pitchFamily="34" charset="0"/>
+              </a:rPr>
+              <a:t>e</a:t>
+            </a:r>
+            <a:r>
+              <a:rPr lang="zh-TW" altLang="en-US" dirty="0">
+                <a:ea typeface="標楷體" panose="03000509000000000000" pitchFamily="65" charset="-120"/>
+                <a:cs typeface="Times New Roman" panose="02020603050405020304" pitchFamily="18" charset="0"/>
+              </a:rPr>
+              <a:t>）琉球</a:t>
+            </a:r>
+            <a:r>
+              <a:rPr lang="zh-TW" altLang="en-US" dirty="0">
+                <a:ea typeface="標楷體" panose="03000509000000000000" pitchFamily="65" charset="-120"/>
+                <a:cs typeface="Arial" panose="020B0604020202020204" pitchFamily="34" charset="0"/>
+              </a:rPr>
+              <a:t>、</a:t>
+            </a:r>
+            <a:r>
+              <a:rPr lang="zh-TW" altLang="en-US" dirty="0">
+                <a:ea typeface="標楷體" panose="03000509000000000000" pitchFamily="65" charset="-120"/>
+                <a:cs typeface="Times New Roman" panose="02020603050405020304" pitchFamily="18" charset="0"/>
+              </a:rPr>
+              <a:t>（</a:t>
+            </a:r>
+            <a:r>
+              <a:rPr lang="en-US" altLang="zh-TW" dirty="0">
+                <a:latin typeface="標楷體" panose="03000509000000000000" pitchFamily="65" charset="-120"/>
+                <a:ea typeface="標楷體" panose="03000509000000000000" pitchFamily="65" charset="-120"/>
+                <a:cs typeface="Arial" panose="020B0604020202020204" pitchFamily="34" charset="0"/>
+              </a:rPr>
+              <a:t>f</a:t>
+            </a:r>
+            <a:r>
+              <a:rPr lang="zh-TW" altLang="en-US" dirty="0">
+                <a:ea typeface="標楷體" panose="03000509000000000000" pitchFamily="65" charset="-120"/>
+                <a:cs typeface="Times New Roman" panose="02020603050405020304" pitchFamily="18" charset="0"/>
+              </a:rPr>
+              <a:t>）</a:t>
+            </a:r>
+            <a:r>
+              <a:rPr lang="zh-TW" altLang="en-US" dirty="0">
+                <a:ea typeface="標楷體" panose="03000509000000000000" pitchFamily="65" charset="-120"/>
+                <a:cs typeface="Arial" panose="020B0604020202020204" pitchFamily="34" charset="0"/>
+              </a:rPr>
+              <a:t>東</a:t>
+            </a:r>
+            <a:r>
+              <a:rPr lang="zh-TW" altLang="en-US" dirty="0">
+                <a:ea typeface="標楷體" panose="03000509000000000000" pitchFamily="65" charset="-120"/>
+                <a:cs typeface="Times New Roman" panose="02020603050405020304" pitchFamily="18" charset="0"/>
+              </a:rPr>
+              <a:t>臺灣</a:t>
+            </a:r>
+            <a:r>
+              <a:rPr lang="zh-TW" altLang="en-US" dirty="0">
+                <a:ea typeface="標楷體" panose="03000509000000000000" pitchFamily="65" charset="-120"/>
+                <a:cs typeface="Arial" panose="020B0604020202020204" pitchFamily="34" charset="0"/>
+              </a:rPr>
+              <a:t>的採樣地點。尚未分樣的地點以藍色標示；納入分析的地點以紅色表示。</a:t>
+            </a:r>
+            <a:endParaRPr lang="en-US" dirty="0"/>
+          </a:p>
+          <a:p>
             <a:endParaRPr lang="en-US" dirty="0"/>
           </a:p>
         </p:txBody>
       </p:sp>
       <p:pic>
         <p:nvPicPr>
-          <p:cNvPr id="7" name="圖片 6">
-            <a:extLst>
-              <a:ext uri="{FF2B5EF4-FFF2-40B4-BE49-F238E27FC236}">
-                <a16:creationId xmlns:a16="http://schemas.microsoft.com/office/drawing/2014/main" id="{7E1C80D6-5B0C-4488-A453-6B594C3D825A}"/>
+          <p:cNvPr id="9" name="圖片 8">
+            <a:extLst>
+              <a:ext uri="{FF2B5EF4-FFF2-40B4-BE49-F238E27FC236}">
+                <a16:creationId xmlns:a16="http://schemas.microsoft.com/office/drawing/2014/main" id="{419C7C2B-5B50-4481-AB8C-843678F02B7A}"/>
               </a:ext>
             </a:extLst>
           </p:cNvPr>
@@ -3438,8 +3628,8 @@
         </p:blipFill>
         <p:spPr>
           <a:xfrm>
-            <a:off x="1981191" y="685794"/>
-            <a:ext cx="8229617" cy="5486411"/>
+            <a:off x="1078335" y="-685795"/>
+            <a:ext cx="10287000" cy="6858000"/>
           </a:xfrm>
           <a:prstGeom prst="rect">
             <a:avLst/>
@@ -3476,12 +3666,218 @@
           <a:chExt cx="0" cy="0"/>
         </a:xfrm>
       </p:grpSpPr>
+      <p:sp>
+        <p:nvSpPr>
+          <p:cNvPr id="4" name="矩形 3">
+            <a:extLst>
+              <a:ext uri="{FF2B5EF4-FFF2-40B4-BE49-F238E27FC236}">
+                <a16:creationId xmlns:a16="http://schemas.microsoft.com/office/drawing/2014/main" id="{2D402EDF-03D2-4AAA-B879-4292C7CBFD80}"/>
+              </a:ext>
+            </a:extLst>
+          </p:cNvPr>
+          <p:cNvSpPr/>
+          <p:nvPr/>
+        </p:nvSpPr>
+        <p:spPr>
+          <a:xfrm>
+            <a:off x="1295823" y="5920536"/>
+            <a:ext cx="9800028" cy="646331"/>
+          </a:xfrm>
+          <a:prstGeom prst="rect">
+            <a:avLst/>
+          </a:prstGeom>
+        </p:spPr>
+        <p:txBody>
+          <a:bodyPr wrap="square">
+            <a:spAutoFit/>
+          </a:bodyPr>
+          <a:lstStyle/>
+          <a:p>
+            <a:r>
+              <a:rPr lang="zh-TW" altLang="en-US" dirty="0">
+                <a:ea typeface="標楷體" panose="03000509000000000000" pitchFamily="65" charset="-120"/>
+                <a:cs typeface="Arial" panose="020B0604020202020204" pitchFamily="34" charset="0"/>
+              </a:rPr>
+              <a:t>圖</a:t>
+            </a:r>
+            <a:r>
+              <a:rPr lang="en-US" altLang="zh-TW" dirty="0">
+                <a:ea typeface="標楷體" panose="03000509000000000000" pitchFamily="65" charset="-120"/>
+                <a:cs typeface="Arial" panose="020B0604020202020204" pitchFamily="34" charset="0"/>
+              </a:rPr>
+              <a:t>2</a:t>
+            </a:r>
+            <a:r>
+              <a:rPr lang="zh-TW" altLang="en-US" dirty="0">
+                <a:ea typeface="標楷體" panose="03000509000000000000" pitchFamily="65" charset="-120"/>
+                <a:cs typeface="Arial" panose="020B0604020202020204" pitchFamily="34" charset="0"/>
+              </a:rPr>
+              <a:t>、澎湖</a:t>
+            </a:r>
+            <a:r>
+              <a:rPr lang="en-US" dirty="0">
+                <a:latin typeface="標楷體" panose="03000509000000000000" pitchFamily="65" charset="-120"/>
+                <a:cs typeface="Arial" panose="020B0604020202020204" pitchFamily="34" charset="0"/>
+              </a:rPr>
+              <a:t>(</a:t>
+            </a:r>
+            <a:r>
+              <a:rPr lang="zh-TW" altLang="en-US" dirty="0">
+                <a:latin typeface="標楷體" panose="03000509000000000000" pitchFamily="65" charset="-120"/>
+                <a:cs typeface="Arial" panose="020B0604020202020204" pitchFamily="34" charset="0"/>
+              </a:rPr>
+              <a:t>左一</a:t>
+            </a:r>
+            <a:r>
+              <a:rPr lang="en-US" dirty="0">
+                <a:latin typeface="標楷體" panose="03000509000000000000" pitchFamily="65" charset="-120"/>
+                <a:cs typeface="Arial" panose="020B0604020202020204" pitchFamily="34" charset="0"/>
+              </a:rPr>
+              <a:t>)</a:t>
+            </a:r>
+            <a:r>
+              <a:rPr lang="zh-TW" altLang="en-US" dirty="0">
+                <a:latin typeface="標楷體" panose="03000509000000000000" pitchFamily="65" charset="-120"/>
+                <a:cs typeface="Arial" panose="020B0604020202020204" pitchFamily="34" charset="0"/>
+              </a:rPr>
+              <a:t>，台灣東北角</a:t>
+            </a:r>
+            <a:r>
+              <a:rPr lang="en-US" dirty="0">
+                <a:latin typeface="標楷體" panose="03000509000000000000" pitchFamily="65" charset="-120"/>
+                <a:cs typeface="Arial" panose="020B0604020202020204" pitchFamily="34" charset="0"/>
+              </a:rPr>
+              <a:t>(</a:t>
+            </a:r>
+            <a:r>
+              <a:rPr lang="zh-TW" altLang="en-US" dirty="0">
+                <a:latin typeface="標楷體" panose="03000509000000000000" pitchFamily="65" charset="-120"/>
+                <a:cs typeface="Arial" panose="020B0604020202020204" pitchFamily="34" charset="0"/>
+              </a:rPr>
+              <a:t>左二</a:t>
+            </a:r>
+            <a:r>
+              <a:rPr lang="en-US" dirty="0">
+                <a:latin typeface="標楷體" panose="03000509000000000000" pitchFamily="65" charset="-120"/>
+                <a:cs typeface="Arial" panose="020B0604020202020204" pitchFamily="34" charset="0"/>
+              </a:rPr>
+              <a:t>)</a:t>
+            </a:r>
+            <a:r>
+              <a:rPr lang="zh-TW" altLang="en-US" dirty="0">
+                <a:latin typeface="標楷體" panose="03000509000000000000" pitchFamily="65" charset="-120"/>
+                <a:cs typeface="Arial" panose="020B0604020202020204" pitchFamily="34" charset="0"/>
+              </a:rPr>
+              <a:t>、桃園</a:t>
+            </a:r>
+            <a:r>
+              <a:rPr lang="en-US" altLang="zh-TW" dirty="0">
+                <a:latin typeface="標楷體" panose="03000509000000000000" pitchFamily="65" charset="-120"/>
+                <a:cs typeface="Arial" panose="020B0604020202020204" pitchFamily="34" charset="0"/>
+              </a:rPr>
+              <a:t>(</a:t>
+            </a:r>
+            <a:r>
+              <a:rPr lang="zh-TW" altLang="en-US" dirty="0">
+                <a:latin typeface="標楷體" panose="03000509000000000000" pitchFamily="65" charset="-120"/>
+                <a:cs typeface="Arial" panose="020B0604020202020204" pitchFamily="34" charset="0"/>
+              </a:rPr>
+              <a:t>中</a:t>
+            </a:r>
+            <a:r>
+              <a:rPr lang="en-US" altLang="zh-TW" dirty="0">
+                <a:latin typeface="標楷體" panose="03000509000000000000" pitchFamily="65" charset="-120"/>
+                <a:cs typeface="Arial" panose="020B0604020202020204" pitchFamily="34" charset="0"/>
+              </a:rPr>
+              <a:t>)</a:t>
+            </a:r>
+            <a:r>
+              <a:rPr lang="zh-TW" altLang="en-US" dirty="0">
+                <a:latin typeface="標楷體" panose="03000509000000000000" pitchFamily="65" charset="-120"/>
+                <a:cs typeface="Arial" panose="020B0604020202020204" pitchFamily="34" charset="0"/>
+              </a:rPr>
+              <a:t>、琉球</a:t>
+            </a:r>
+            <a:r>
+              <a:rPr lang="en-US" dirty="0">
+                <a:latin typeface="標楷體" panose="03000509000000000000" pitchFamily="65" charset="-120"/>
+                <a:cs typeface="Arial" panose="020B0604020202020204" pitchFamily="34" charset="0"/>
+              </a:rPr>
+              <a:t>(</a:t>
+            </a:r>
+            <a:r>
+              <a:rPr lang="zh-TW" altLang="en-US" dirty="0">
+                <a:latin typeface="標楷體" panose="03000509000000000000" pitchFamily="65" charset="-120"/>
+                <a:cs typeface="Arial" panose="020B0604020202020204" pitchFamily="34" charset="0"/>
+              </a:rPr>
+              <a:t>右二</a:t>
+            </a:r>
+            <a:r>
+              <a:rPr lang="en-US" dirty="0">
+                <a:latin typeface="標楷體" panose="03000509000000000000" pitchFamily="65" charset="-120"/>
+                <a:cs typeface="Arial" panose="020B0604020202020204" pitchFamily="34" charset="0"/>
+              </a:rPr>
+              <a:t>)</a:t>
+            </a:r>
+            <a:r>
+              <a:rPr lang="zh-TW" altLang="en-US" dirty="0">
+                <a:latin typeface="標楷體" panose="03000509000000000000" pitchFamily="65" charset="-120"/>
+                <a:cs typeface="Arial" panose="020B0604020202020204" pitchFamily="34" charset="0"/>
+              </a:rPr>
+              <a:t>、東台灣</a:t>
+            </a:r>
+            <a:r>
+              <a:rPr lang="en-US" altLang="zh-TW" dirty="0">
+                <a:latin typeface="標楷體" panose="03000509000000000000" pitchFamily="65" charset="-120"/>
+                <a:cs typeface="Arial" panose="020B0604020202020204" pitchFamily="34" charset="0"/>
+              </a:rPr>
+              <a:t>(</a:t>
+            </a:r>
+            <a:r>
+              <a:rPr lang="zh-TW" altLang="en-US" dirty="0">
+                <a:latin typeface="標楷體" panose="03000509000000000000" pitchFamily="65" charset="-120"/>
+                <a:cs typeface="Arial" panose="020B0604020202020204" pitchFamily="34" charset="0"/>
+              </a:rPr>
+              <a:t>右一</a:t>
+            </a:r>
+            <a:r>
+              <a:rPr lang="en-US" altLang="zh-TW" dirty="0">
+                <a:latin typeface="標楷體" panose="03000509000000000000" pitchFamily="65" charset="-120"/>
+                <a:cs typeface="Arial" panose="020B0604020202020204" pitchFamily="34" charset="0"/>
+              </a:rPr>
+              <a:t>)</a:t>
+            </a:r>
+            <a:r>
+              <a:rPr lang="zh-TW" altLang="en-US" dirty="0">
+                <a:latin typeface="標楷體" panose="03000509000000000000" pitchFamily="65" charset="-120"/>
+                <a:cs typeface="Arial" panose="020B0604020202020204" pitchFamily="34" charset="0"/>
+              </a:rPr>
+              <a:t>的生物密度組成。總生物密度小於百分之一的生物以其他</a:t>
+            </a:r>
+            <a:r>
+              <a:rPr lang="en-US" altLang="zh-TW" dirty="0">
+                <a:latin typeface="標楷體" panose="03000509000000000000" pitchFamily="65" charset="-120"/>
+                <a:cs typeface="Arial" panose="020B0604020202020204" pitchFamily="34" charset="0"/>
+              </a:rPr>
+              <a:t>(others)</a:t>
+            </a:r>
+            <a:r>
+              <a:rPr lang="zh-TW" altLang="en-US" dirty="0">
+                <a:latin typeface="標楷體" panose="03000509000000000000" pitchFamily="65" charset="-120"/>
+                <a:cs typeface="Arial" panose="020B0604020202020204" pitchFamily="34" charset="0"/>
+              </a:rPr>
+              <a:t>表示。</a:t>
+            </a:r>
+            <a:endParaRPr lang="en-US" dirty="0"/>
+          </a:p>
+        </p:txBody>
+      </p:sp>
       <p:pic>
         <p:nvPicPr>
           <p:cNvPr id="3" name="圖片 2">
             <a:extLst>
               <a:ext uri="{FF2B5EF4-FFF2-40B4-BE49-F238E27FC236}">
-                <a16:creationId xmlns:a16="http://schemas.microsoft.com/office/drawing/2014/main" id="{9ECAE6CC-D5FA-4E98-9982-E57E18CA61CC}"/>
+                <a16:creationId xmlns:a16="http://schemas.microsoft.com/office/drawing/2014/main" id="{9BC8DADA-3882-42EA-BE32-BACCB503B125}"/>
               </a:ext>
             </a:extLst>
           </p:cNvPr>
@@ -3504,119 +3900,18 @@
         </p:blipFill>
         <p:spPr>
           <a:xfrm>
-            <a:off x="1432550" y="320033"/>
-            <a:ext cx="9326899" cy="6217933"/>
+            <a:off x="542477" y="877694"/>
+            <a:ext cx="10972822" cy="4800610"/>
           </a:xfrm>
           <a:prstGeom prst="rect">
             <a:avLst/>
           </a:prstGeom>
         </p:spPr>
       </p:pic>
-      <p:sp>
-        <p:nvSpPr>
-          <p:cNvPr id="4" name="矩形 3">
-            <a:extLst>
-              <a:ext uri="{FF2B5EF4-FFF2-40B4-BE49-F238E27FC236}">
-                <a16:creationId xmlns:a16="http://schemas.microsoft.com/office/drawing/2014/main" id="{DB85A4BD-7AD7-4E9B-81F2-D97BCA3502D6}"/>
-              </a:ext>
-            </a:extLst>
-          </p:cNvPr>
-          <p:cNvSpPr/>
-          <p:nvPr/>
-        </p:nvSpPr>
-        <p:spPr>
-          <a:xfrm>
-            <a:off x="1110143" y="6067149"/>
-            <a:ext cx="10189827" cy="369332"/>
-          </a:xfrm>
-          <a:prstGeom prst="rect">
-            <a:avLst/>
-          </a:prstGeom>
-        </p:spPr>
-        <p:txBody>
-          <a:bodyPr wrap="square">
-            <a:spAutoFit/>
-          </a:bodyPr>
-          <a:lstStyle/>
-          <a:p>
-            <a:r>
-              <a:rPr lang="zh-TW" altLang="en-US" dirty="0">
-                <a:ea typeface="標楷體" panose="03000509000000000000" pitchFamily="65" charset="-120"/>
-                <a:cs typeface="Times New Roman" panose="02020603050405020304" pitchFamily="18" charset="0"/>
-              </a:rPr>
-              <a:t>（</a:t>
-            </a:r>
-            <a:r>
-              <a:rPr lang="en-US" dirty="0">
-                <a:latin typeface="標楷體" panose="03000509000000000000" pitchFamily="65" charset="-120"/>
-                <a:cs typeface="Arial" panose="020B0604020202020204" pitchFamily="34" charset="0"/>
-              </a:rPr>
-              <a:t>a</a:t>
-            </a:r>
-            <a:r>
-              <a:rPr lang="zh-TW" altLang="en-US" dirty="0">
-                <a:ea typeface="標楷體" panose="03000509000000000000" pitchFamily="65" charset="-120"/>
-                <a:cs typeface="Times New Roman" panose="02020603050405020304" pitchFamily="18" charset="0"/>
-              </a:rPr>
-              <a:t>）</a:t>
-            </a:r>
-            <a:r>
-              <a:rPr lang="zh-TW" altLang="en-US" dirty="0">
-                <a:ea typeface="標楷體" panose="03000509000000000000" pitchFamily="65" charset="-120"/>
-                <a:cs typeface="Arial" panose="020B0604020202020204" pitchFamily="34" charset="0"/>
-              </a:rPr>
-              <a:t>澎湖與</a:t>
-            </a:r>
-            <a:r>
-              <a:rPr lang="zh-TW" altLang="en-US" dirty="0">
-                <a:ea typeface="標楷體" panose="03000509000000000000" pitchFamily="65" charset="-120"/>
-                <a:cs typeface="Times New Roman" panose="02020603050405020304" pitchFamily="18" charset="0"/>
-              </a:rPr>
-              <a:t>（</a:t>
-            </a:r>
-            <a:r>
-              <a:rPr lang="en-US" dirty="0">
-                <a:latin typeface="標楷體" panose="03000509000000000000" pitchFamily="65" charset="-120"/>
-                <a:cs typeface="Arial" panose="020B0604020202020204" pitchFamily="34" charset="0"/>
-              </a:rPr>
-              <a:t>b</a:t>
-            </a:r>
-            <a:r>
-              <a:rPr lang="zh-TW" altLang="en-US" dirty="0">
-                <a:ea typeface="標楷體" panose="03000509000000000000" pitchFamily="65" charset="-120"/>
-                <a:cs typeface="Times New Roman" panose="02020603050405020304" pitchFamily="18" charset="0"/>
-              </a:rPr>
-              <a:t>）</a:t>
-            </a:r>
-            <a:r>
-              <a:rPr lang="zh-TW" altLang="en-US" dirty="0">
-                <a:ea typeface="標楷體" panose="03000509000000000000" pitchFamily="65" charset="-120"/>
-                <a:cs typeface="Arial" panose="020B0604020202020204" pitchFamily="34" charset="0"/>
-              </a:rPr>
-              <a:t>北</a:t>
-            </a:r>
-            <a:r>
-              <a:rPr lang="zh-TW" altLang="en-US" dirty="0">
-                <a:ea typeface="標楷體" panose="03000509000000000000" pitchFamily="65" charset="-120"/>
-                <a:cs typeface="Times New Roman" panose="02020603050405020304" pitchFamily="18" charset="0"/>
-              </a:rPr>
-              <a:t>臺灣</a:t>
-            </a:r>
-            <a:r>
-              <a:rPr lang="zh-TW" altLang="en-US" dirty="0">
-                <a:ea typeface="標楷體" panose="03000509000000000000" pitchFamily="65" charset="-120"/>
-                <a:cs typeface="Arial" panose="020B0604020202020204" pitchFamily="34" charset="0"/>
-              </a:rPr>
-              <a:t>的採樣地點。尚未分樣的地點以藍色標示；納入分析的地點以紅色表示。</a:t>
-            </a:r>
-            <a:endParaRPr lang="en-US" dirty="0"/>
-          </a:p>
-        </p:txBody>
-      </p:sp>
     </p:spTree>
     <p:extLst>
       <p:ext uri="{BB962C8B-B14F-4D97-AF65-F5344CB8AC3E}">
-        <p14:creationId xmlns:p14="http://schemas.microsoft.com/office/powerpoint/2010/main" val="3595871277"/>
+        <p14:creationId xmlns:p14="http://schemas.microsoft.com/office/powerpoint/2010/main" val="349335023"/>
       </p:ext>
     </p:extLst>
   </p:cSld>
@@ -3643,12 +3938,218 @@
           <a:chExt cx="0" cy="0"/>
         </a:xfrm>
       </p:grpSpPr>
+      <p:sp>
+        <p:nvSpPr>
+          <p:cNvPr id="8" name="矩形 7">
+            <a:extLst>
+              <a:ext uri="{FF2B5EF4-FFF2-40B4-BE49-F238E27FC236}">
+                <a16:creationId xmlns:a16="http://schemas.microsoft.com/office/drawing/2014/main" id="{6070CC63-B5CF-4664-9FCA-96CAF0F21108}"/>
+              </a:ext>
+            </a:extLst>
+          </p:cNvPr>
+          <p:cNvSpPr/>
+          <p:nvPr/>
+        </p:nvSpPr>
+        <p:spPr>
+          <a:xfrm>
+            <a:off x="1211932" y="6063040"/>
+            <a:ext cx="10440376" cy="646331"/>
+          </a:xfrm>
+          <a:prstGeom prst="rect">
+            <a:avLst/>
+          </a:prstGeom>
+        </p:spPr>
+        <p:txBody>
+          <a:bodyPr wrap="square">
+            <a:spAutoFit/>
+          </a:bodyPr>
+          <a:lstStyle/>
+          <a:p>
+            <a:r>
+              <a:rPr lang="zh-TW" altLang="en-US" dirty="0">
+                <a:ea typeface="標楷體" panose="03000509000000000000" pitchFamily="65" charset="-120"/>
+                <a:cs typeface="Arial" panose="020B0604020202020204" pitchFamily="34" charset="0"/>
+              </a:rPr>
+              <a:t>圖</a:t>
+            </a:r>
+            <a:r>
+              <a:rPr lang="en-US" altLang="zh-TW" dirty="0">
+                <a:ea typeface="標楷體" panose="03000509000000000000" pitchFamily="65" charset="-120"/>
+                <a:cs typeface="Arial" panose="020B0604020202020204" pitchFamily="34" charset="0"/>
+              </a:rPr>
+              <a:t>3</a:t>
+            </a:r>
+            <a:r>
+              <a:rPr lang="zh-TW" altLang="en-US" dirty="0">
+                <a:ea typeface="標楷體" panose="03000509000000000000" pitchFamily="65" charset="-120"/>
+                <a:cs typeface="Arial" panose="020B0604020202020204" pitchFamily="34" charset="0"/>
+              </a:rPr>
+              <a:t>、澎湖</a:t>
+            </a:r>
+            <a:r>
+              <a:rPr lang="en-US" dirty="0">
+                <a:latin typeface="標楷體" panose="03000509000000000000" pitchFamily="65" charset="-120"/>
+                <a:cs typeface="Arial" panose="020B0604020202020204" pitchFamily="34" charset="0"/>
+              </a:rPr>
+              <a:t>(</a:t>
+            </a:r>
+            <a:r>
+              <a:rPr lang="zh-TW" altLang="en-US" dirty="0">
+                <a:latin typeface="標楷體" panose="03000509000000000000" pitchFamily="65" charset="-120"/>
+                <a:cs typeface="Arial" panose="020B0604020202020204" pitchFamily="34" charset="0"/>
+              </a:rPr>
+              <a:t>左一</a:t>
+            </a:r>
+            <a:r>
+              <a:rPr lang="en-US" dirty="0">
+                <a:latin typeface="標楷體" panose="03000509000000000000" pitchFamily="65" charset="-120"/>
+                <a:cs typeface="Arial" panose="020B0604020202020204" pitchFamily="34" charset="0"/>
+              </a:rPr>
+              <a:t>)</a:t>
+            </a:r>
+            <a:r>
+              <a:rPr lang="zh-TW" altLang="en-US" dirty="0">
+                <a:latin typeface="標楷體" panose="03000509000000000000" pitchFamily="65" charset="-120"/>
+                <a:cs typeface="Arial" panose="020B0604020202020204" pitchFamily="34" charset="0"/>
+              </a:rPr>
+              <a:t>，台灣東北角</a:t>
+            </a:r>
+            <a:r>
+              <a:rPr lang="en-US" dirty="0">
+                <a:latin typeface="標楷體" panose="03000509000000000000" pitchFamily="65" charset="-120"/>
+                <a:cs typeface="Arial" panose="020B0604020202020204" pitchFamily="34" charset="0"/>
+              </a:rPr>
+              <a:t>(</a:t>
+            </a:r>
+            <a:r>
+              <a:rPr lang="zh-TW" altLang="en-US" dirty="0">
+                <a:latin typeface="標楷體" panose="03000509000000000000" pitchFamily="65" charset="-120"/>
+                <a:cs typeface="Arial" panose="020B0604020202020204" pitchFamily="34" charset="0"/>
+              </a:rPr>
+              <a:t>左二</a:t>
+            </a:r>
+            <a:r>
+              <a:rPr lang="en-US" dirty="0">
+                <a:latin typeface="標楷體" panose="03000509000000000000" pitchFamily="65" charset="-120"/>
+                <a:cs typeface="Arial" panose="020B0604020202020204" pitchFamily="34" charset="0"/>
+              </a:rPr>
+              <a:t>)</a:t>
+            </a:r>
+            <a:r>
+              <a:rPr lang="zh-TW" altLang="en-US" dirty="0">
+                <a:latin typeface="標楷體" panose="03000509000000000000" pitchFamily="65" charset="-120"/>
+                <a:cs typeface="Arial" panose="020B0604020202020204" pitchFamily="34" charset="0"/>
+              </a:rPr>
+              <a:t>、桃園</a:t>
+            </a:r>
+            <a:r>
+              <a:rPr lang="en-US" altLang="zh-TW" dirty="0">
+                <a:latin typeface="標楷體" panose="03000509000000000000" pitchFamily="65" charset="-120"/>
+                <a:cs typeface="Arial" panose="020B0604020202020204" pitchFamily="34" charset="0"/>
+              </a:rPr>
+              <a:t>(</a:t>
+            </a:r>
+            <a:r>
+              <a:rPr lang="zh-TW" altLang="en-US" dirty="0">
+                <a:latin typeface="標楷體" panose="03000509000000000000" pitchFamily="65" charset="-120"/>
+                <a:cs typeface="Arial" panose="020B0604020202020204" pitchFamily="34" charset="0"/>
+              </a:rPr>
+              <a:t>中</a:t>
+            </a:r>
+            <a:r>
+              <a:rPr lang="en-US" altLang="zh-TW" dirty="0">
+                <a:latin typeface="標楷體" panose="03000509000000000000" pitchFamily="65" charset="-120"/>
+                <a:cs typeface="Arial" panose="020B0604020202020204" pitchFamily="34" charset="0"/>
+              </a:rPr>
+              <a:t>)</a:t>
+            </a:r>
+            <a:r>
+              <a:rPr lang="zh-TW" altLang="en-US" dirty="0">
+                <a:latin typeface="標楷體" panose="03000509000000000000" pitchFamily="65" charset="-120"/>
+                <a:cs typeface="Arial" panose="020B0604020202020204" pitchFamily="34" charset="0"/>
+              </a:rPr>
+              <a:t>、琉球</a:t>
+            </a:r>
+            <a:r>
+              <a:rPr lang="en-US" dirty="0">
+                <a:latin typeface="標楷體" panose="03000509000000000000" pitchFamily="65" charset="-120"/>
+                <a:cs typeface="Arial" panose="020B0604020202020204" pitchFamily="34" charset="0"/>
+              </a:rPr>
+              <a:t>(</a:t>
+            </a:r>
+            <a:r>
+              <a:rPr lang="zh-TW" altLang="en-US" dirty="0">
+                <a:latin typeface="標楷體" panose="03000509000000000000" pitchFamily="65" charset="-120"/>
+                <a:cs typeface="Arial" panose="020B0604020202020204" pitchFamily="34" charset="0"/>
+              </a:rPr>
+              <a:t>右二</a:t>
+            </a:r>
+            <a:r>
+              <a:rPr lang="en-US" dirty="0">
+                <a:latin typeface="標楷體" panose="03000509000000000000" pitchFamily="65" charset="-120"/>
+                <a:cs typeface="Arial" panose="020B0604020202020204" pitchFamily="34" charset="0"/>
+              </a:rPr>
+              <a:t>)</a:t>
+            </a:r>
+            <a:r>
+              <a:rPr lang="zh-TW" altLang="en-US" dirty="0">
+                <a:latin typeface="標楷體" panose="03000509000000000000" pitchFamily="65" charset="-120"/>
+                <a:cs typeface="Arial" panose="020B0604020202020204" pitchFamily="34" charset="0"/>
+              </a:rPr>
+              <a:t>、東台灣</a:t>
+            </a:r>
+            <a:r>
+              <a:rPr lang="en-US" altLang="zh-TW" dirty="0">
+                <a:latin typeface="標楷體" panose="03000509000000000000" pitchFamily="65" charset="-120"/>
+                <a:cs typeface="Arial" panose="020B0604020202020204" pitchFamily="34" charset="0"/>
+              </a:rPr>
+              <a:t>(</a:t>
+            </a:r>
+            <a:r>
+              <a:rPr lang="zh-TW" altLang="en-US" dirty="0">
+                <a:latin typeface="標楷體" panose="03000509000000000000" pitchFamily="65" charset="-120"/>
+                <a:cs typeface="Arial" panose="020B0604020202020204" pitchFamily="34" charset="0"/>
+              </a:rPr>
+              <a:t>右一</a:t>
+            </a:r>
+            <a:r>
+              <a:rPr lang="en-US" altLang="zh-TW" dirty="0">
+                <a:latin typeface="標楷體" panose="03000509000000000000" pitchFamily="65" charset="-120"/>
+                <a:cs typeface="Arial" panose="020B0604020202020204" pitchFamily="34" charset="0"/>
+              </a:rPr>
+              <a:t>)</a:t>
+            </a:r>
+            <a:r>
+              <a:rPr lang="zh-TW" altLang="en-US" dirty="0">
+                <a:latin typeface="標楷體" panose="03000509000000000000" pitchFamily="65" charset="-120"/>
+                <a:cs typeface="Arial" panose="020B0604020202020204" pitchFamily="34" charset="0"/>
+              </a:rPr>
+              <a:t>的生物量組成。總生物量小於百分之一的生物以其他</a:t>
+            </a:r>
+            <a:r>
+              <a:rPr lang="en-US" altLang="zh-TW" dirty="0">
+                <a:latin typeface="標楷體" panose="03000509000000000000" pitchFamily="65" charset="-120"/>
+                <a:cs typeface="Arial" panose="020B0604020202020204" pitchFamily="34" charset="0"/>
+              </a:rPr>
+              <a:t>(others)</a:t>
+            </a:r>
+            <a:r>
+              <a:rPr lang="zh-TW" altLang="en-US" dirty="0">
+                <a:latin typeface="標楷體" panose="03000509000000000000" pitchFamily="65" charset="-120"/>
+                <a:cs typeface="Arial" panose="020B0604020202020204" pitchFamily="34" charset="0"/>
+              </a:rPr>
+              <a:t>表示。</a:t>
+            </a:r>
+            <a:endParaRPr lang="en-US" dirty="0"/>
+          </a:p>
+        </p:txBody>
+      </p:sp>
       <p:pic>
         <p:nvPicPr>
           <p:cNvPr id="3" name="圖片 2">
             <a:extLst>
               <a:ext uri="{FF2B5EF4-FFF2-40B4-BE49-F238E27FC236}">
-                <a16:creationId xmlns:a16="http://schemas.microsoft.com/office/drawing/2014/main" id="{8B509043-D005-4C53-ADA7-86FCBE406831}"/>
+                <a16:creationId xmlns:a16="http://schemas.microsoft.com/office/drawing/2014/main" id="{BEF8B300-1A0B-448F-B1E8-B96359629AAB}"/>
               </a:ext>
             </a:extLst>
           </p:cNvPr>
@@ -3671,147 +4172,18 @@
         </p:blipFill>
         <p:spPr>
           <a:xfrm>
-            <a:off x="1432550" y="320033"/>
-            <a:ext cx="9326899" cy="6217933"/>
+            <a:off x="609589" y="1028695"/>
+            <a:ext cx="10972822" cy="4800610"/>
           </a:xfrm>
           <a:prstGeom prst="rect">
             <a:avLst/>
           </a:prstGeom>
         </p:spPr>
       </p:pic>
-      <p:sp>
-        <p:nvSpPr>
-          <p:cNvPr id="4" name="矩形 3">
-            <a:extLst>
-              <a:ext uri="{FF2B5EF4-FFF2-40B4-BE49-F238E27FC236}">
-                <a16:creationId xmlns:a16="http://schemas.microsoft.com/office/drawing/2014/main" id="{46989CE3-BC77-4DED-9604-1B1CB64C476D}"/>
-              </a:ext>
-            </a:extLst>
-          </p:cNvPr>
-          <p:cNvSpPr/>
-          <p:nvPr/>
-        </p:nvSpPr>
-        <p:spPr>
-          <a:xfrm>
-            <a:off x="500542" y="6353300"/>
-            <a:ext cx="11190913" cy="369332"/>
-          </a:xfrm>
-          <a:prstGeom prst="rect">
-            <a:avLst/>
-          </a:prstGeom>
-        </p:spPr>
-        <p:txBody>
-          <a:bodyPr wrap="square">
-            <a:spAutoFit/>
-          </a:bodyPr>
-          <a:lstStyle/>
-          <a:p>
-            <a:r>
-              <a:rPr lang="zh-TW" altLang="en-US" dirty="0">
-                <a:ea typeface="標楷體" panose="03000509000000000000" pitchFamily="65" charset="-120"/>
-                <a:cs typeface="Times New Roman" panose="02020603050405020304" pitchFamily="18" charset="0"/>
-              </a:rPr>
-              <a:t>（</a:t>
-            </a:r>
-            <a:r>
-              <a:rPr lang="en-US" dirty="0">
-                <a:latin typeface="標楷體" panose="03000509000000000000" pitchFamily="65" charset="-120"/>
-                <a:cs typeface="Arial" panose="020B0604020202020204" pitchFamily="34" charset="0"/>
-              </a:rPr>
-              <a:t>a</a:t>
-            </a:r>
-            <a:r>
-              <a:rPr lang="zh-TW" altLang="en-US" dirty="0">
-                <a:ea typeface="標楷體" panose="03000509000000000000" pitchFamily="65" charset="-120"/>
-                <a:cs typeface="Times New Roman" panose="02020603050405020304" pitchFamily="18" charset="0"/>
-              </a:rPr>
-              <a:t>）</a:t>
-            </a:r>
-            <a:r>
-              <a:rPr lang="zh-TW" altLang="en-US" dirty="0">
-                <a:ea typeface="標楷體" panose="03000509000000000000" pitchFamily="65" charset="-120"/>
-                <a:cs typeface="Arial" panose="020B0604020202020204" pitchFamily="34" charset="0"/>
-              </a:rPr>
-              <a:t>桃園、</a:t>
-            </a:r>
-            <a:r>
-              <a:rPr lang="zh-TW" altLang="en-US" dirty="0">
-                <a:ea typeface="標楷體" panose="03000509000000000000" pitchFamily="65" charset="-120"/>
-                <a:cs typeface="Times New Roman" panose="02020603050405020304" pitchFamily="18" charset="0"/>
-              </a:rPr>
-              <a:t> （</a:t>
-            </a:r>
-            <a:r>
-              <a:rPr lang="en-US" dirty="0">
-                <a:latin typeface="標楷體" panose="03000509000000000000" pitchFamily="65" charset="-120"/>
-                <a:cs typeface="Arial" panose="020B0604020202020204" pitchFamily="34" charset="0"/>
-              </a:rPr>
-              <a:t>b</a:t>
-            </a:r>
-            <a:r>
-              <a:rPr lang="zh-TW" altLang="en-US" dirty="0">
-                <a:ea typeface="標楷體" panose="03000509000000000000" pitchFamily="65" charset="-120"/>
-                <a:cs typeface="Times New Roman" panose="02020603050405020304" pitchFamily="18" charset="0"/>
-              </a:rPr>
-              <a:t>）琉球</a:t>
-            </a:r>
-            <a:r>
-              <a:rPr lang="zh-TW" altLang="en-US" dirty="0">
-                <a:ea typeface="標楷體" panose="03000509000000000000" pitchFamily="65" charset="-120"/>
-                <a:cs typeface="Arial" panose="020B0604020202020204" pitchFamily="34" charset="0"/>
-              </a:rPr>
-              <a:t>與</a:t>
-            </a:r>
-            <a:r>
-              <a:rPr lang="zh-TW" altLang="en-US" dirty="0">
-                <a:ea typeface="標楷體" panose="03000509000000000000" pitchFamily="65" charset="-120"/>
-                <a:cs typeface="Times New Roman" panose="02020603050405020304" pitchFamily="18" charset="0"/>
-              </a:rPr>
-              <a:t>（</a:t>
-            </a:r>
-            <a:r>
-              <a:rPr lang="en-US" dirty="0">
-                <a:latin typeface="標楷體" panose="03000509000000000000" pitchFamily="65" charset="-120"/>
-                <a:cs typeface="Arial" panose="020B0604020202020204" pitchFamily="34" charset="0"/>
-              </a:rPr>
-              <a:t>b</a:t>
-            </a:r>
-            <a:r>
-              <a:rPr lang="zh-TW" altLang="en-US" dirty="0">
-                <a:ea typeface="標楷體" panose="03000509000000000000" pitchFamily="65" charset="-120"/>
-                <a:cs typeface="Times New Roman" panose="02020603050405020304" pitchFamily="18" charset="0"/>
-              </a:rPr>
-              <a:t>）</a:t>
-            </a:r>
-            <a:r>
-              <a:rPr lang="zh-TW" altLang="en-US" dirty="0">
-                <a:ea typeface="標楷體" panose="03000509000000000000" pitchFamily="65" charset="-120"/>
-                <a:cs typeface="Arial" panose="020B0604020202020204" pitchFamily="34" charset="0"/>
-              </a:rPr>
-              <a:t>東</a:t>
-            </a:r>
-            <a:r>
-              <a:rPr lang="zh-TW" altLang="en-US" dirty="0">
-                <a:ea typeface="標楷體" panose="03000509000000000000" pitchFamily="65" charset="-120"/>
-                <a:cs typeface="Times New Roman" panose="02020603050405020304" pitchFamily="18" charset="0"/>
-              </a:rPr>
-              <a:t>臺灣</a:t>
-            </a:r>
-            <a:r>
-              <a:rPr lang="zh-TW" altLang="en-US" dirty="0">
-                <a:ea typeface="標楷體" panose="03000509000000000000" pitchFamily="65" charset="-120"/>
-                <a:cs typeface="Arial" panose="020B0604020202020204" pitchFamily="34" charset="0"/>
-              </a:rPr>
-              <a:t>的採樣地點。尚未分樣的地點以藍色標示；納入分析的地點以紅色表示。</a:t>
-            </a:r>
-            <a:endParaRPr lang="en-US" dirty="0"/>
-          </a:p>
-        </p:txBody>
-      </p:sp>
     </p:spTree>
     <p:extLst>
       <p:ext uri="{BB962C8B-B14F-4D97-AF65-F5344CB8AC3E}">
-        <p14:creationId xmlns:p14="http://schemas.microsoft.com/office/powerpoint/2010/main" val="413230406"/>
+        <p14:creationId xmlns:p14="http://schemas.microsoft.com/office/powerpoint/2010/main" val="755756141"/>
       </p:ext>
     </p:extLst>
   </p:cSld>
@@ -3870,17 +4242,31 @@
                 <a:ea typeface="標楷體" panose="03000509000000000000" pitchFamily="65" charset="-120"/>
                 <a:cs typeface="Arial" panose="020B0604020202020204" pitchFamily="34" charset="0"/>
               </a:rPr>
-              <a:t>澎湖</a:t>
-            </a:r>
-            <a:r>
-              <a:rPr lang="zh-TW" altLang="en-US" dirty="0">
-                <a:latin typeface="標楷體" panose="03000509000000000000" pitchFamily="65" charset="-120"/>
-                <a:cs typeface="Arial" panose="020B0604020202020204" pitchFamily="34" charset="0"/>
-              </a:rPr>
-              <a:t>，台灣東北角、桃園、琉球、東台灣的生物量</a:t>
+              <a:t>圖</a:t>
             </a:r>
             <a:r>
               <a:rPr lang="en-US" altLang="zh-TW" dirty="0">
+                <a:ea typeface="標楷體" panose="03000509000000000000" pitchFamily="65" charset="-120"/>
+                <a:cs typeface="Arial" panose="020B0604020202020204" pitchFamily="34" charset="0"/>
+              </a:rPr>
+              <a:t>4</a:t>
+            </a:r>
+            <a:r>
+              <a:rPr lang="zh-TW" altLang="en-US" dirty="0">
+                <a:ea typeface="標楷體" panose="03000509000000000000" pitchFamily="65" charset="-120"/>
+                <a:cs typeface="Arial" panose="020B0604020202020204" pitchFamily="34" charset="0"/>
+              </a:rPr>
+              <a:t>、澎湖</a:t>
+            </a:r>
+            <a:r>
+              <a:rPr lang="zh-TW" altLang="en-US" dirty="0">
+                <a:latin typeface="標楷體" panose="03000509000000000000" pitchFamily="65" charset="-120"/>
+                <a:cs typeface="Arial" panose="020B0604020202020204" pitchFamily="34" charset="0"/>
+              </a:rPr>
+              <a:t>，北台灣、桃園、琉球、東台灣的生物量</a:t>
+            </a:r>
+            <a:r>
+              <a:rPr lang="en-US" altLang="zh-TW" dirty="0">
                 <a:latin typeface="標楷體" panose="03000509000000000000" pitchFamily="65" charset="-120"/>
                 <a:cs typeface="Arial" panose="020B0604020202020204" pitchFamily="34" charset="0"/>
               </a:rPr>
@@ -3905,7 +4291,35 @@
                 <a:latin typeface="標楷體" panose="03000509000000000000" pitchFamily="65" charset="-120"/>
                 <a:cs typeface="Arial" panose="020B0604020202020204" pitchFamily="34" charset="0"/>
               </a:rPr>
-              <a:t>與生物密度的比較。</a:t>
+              <a:t>與生物密度</a:t>
+            </a:r>
+            <a:r>
+              <a:rPr lang="en-US" altLang="zh-TW" dirty="0">
+                <a:latin typeface="標楷體" panose="03000509000000000000" pitchFamily="65" charset="-120"/>
+                <a:cs typeface="Arial" panose="020B0604020202020204" pitchFamily="34" charset="0"/>
+              </a:rPr>
+              <a:t>(</a:t>
+            </a:r>
+            <a:r>
+              <a:rPr lang="zh-TW" altLang="en-US" dirty="0">
+                <a:latin typeface="標楷體" panose="03000509000000000000" pitchFamily="65" charset="-120"/>
+                <a:cs typeface="Arial" panose="020B0604020202020204" pitchFamily="34" charset="0"/>
+              </a:rPr>
+              <a:t>右</a:t>
+            </a:r>
+            <a:r>
+              <a:rPr lang="en-US" altLang="zh-TW" dirty="0">
+                <a:latin typeface="標楷體" panose="03000509000000000000" pitchFamily="65" charset="-120"/>
+                <a:cs typeface="Arial" panose="020B0604020202020204" pitchFamily="34" charset="0"/>
+              </a:rPr>
+              <a:t>)</a:t>
+            </a:r>
+            <a:r>
+              <a:rPr lang="zh-TW" altLang="en-US" dirty="0">
+                <a:latin typeface="標楷體" panose="03000509000000000000" pitchFamily="65" charset="-120"/>
+                <a:cs typeface="Arial" panose="020B0604020202020204" pitchFamily="34" charset="0"/>
+              </a:rPr>
+              <a:t>的比較。</a:t>
             </a:r>
             <a:endParaRPr lang="en-US" dirty="0"/>
           </a:p>
@@ -3913,10 +4327,10 @@
       </p:sp>
       <p:pic>
         <p:nvPicPr>
-          <p:cNvPr id="8" name="圖片 7">
-            <a:extLst>
-              <a:ext uri="{FF2B5EF4-FFF2-40B4-BE49-F238E27FC236}">
-                <a16:creationId xmlns:a16="http://schemas.microsoft.com/office/drawing/2014/main" id="{C570C6DB-F5D9-4BDD-A535-6295AE7CEBBA}"/>
+          <p:cNvPr id="3" name="圖片 2">
+            <a:extLst>
+              <a:ext uri="{FF2B5EF4-FFF2-40B4-BE49-F238E27FC236}">
+                <a16:creationId xmlns:a16="http://schemas.microsoft.com/office/drawing/2014/main" id="{8189CC0B-F017-4628-BF25-04D9C1DFA47B}"/>
               </a:ext>
             </a:extLst>
           </p:cNvPr>
@@ -3939,8 +4353,8 @@
         </p:blipFill>
         <p:spPr>
           <a:xfrm>
-            <a:off x="2438392" y="1600196"/>
-            <a:ext cx="7315215" cy="3657607"/>
+            <a:off x="2237056" y="1182843"/>
+            <a:ext cx="7315215" cy="3200407"/>
           </a:xfrm>
           <a:prstGeom prst="rect">
             <a:avLst/>
@@ -3982,7 +4396,7 @@
           <p:cNvPr id="4" name="矩形 3">
             <a:extLst>
               <a:ext uri="{FF2B5EF4-FFF2-40B4-BE49-F238E27FC236}">
-                <a16:creationId xmlns:a16="http://schemas.microsoft.com/office/drawing/2014/main" id="{2D402EDF-03D2-4AAA-B879-4292C7CBFD80}"/>
+                <a16:creationId xmlns:a16="http://schemas.microsoft.com/office/drawing/2014/main" id="{DB201803-672F-46CC-BEE3-29D8F0CB749D}"/>
               </a:ext>
             </a:extLst>
           </p:cNvPr>
@@ -3991,7 +4405,7 @@
         </p:nvSpPr>
         <p:spPr>
           <a:xfrm>
-            <a:off x="1782384" y="6172205"/>
+            <a:off x="1471992" y="5962480"/>
             <a:ext cx="9800028" cy="646331"/>
           </a:xfrm>
           <a:prstGeom prst="rect">
@@ -4009,7 +4423,21 @@
                 <a:ea typeface="標楷體" panose="03000509000000000000" pitchFamily="65" charset="-120"/>
                 <a:cs typeface="Arial" panose="020B0604020202020204" pitchFamily="34" charset="0"/>
               </a:rPr>
-              <a:t>澎湖</a:t>
+              <a:t>圖</a:t>
+            </a:r>
+            <a:r>
+              <a:rPr lang="en-US" altLang="zh-TW" dirty="0">
+                <a:ea typeface="標楷體" panose="03000509000000000000" pitchFamily="65" charset="-120"/>
+                <a:cs typeface="Arial" panose="020B0604020202020204" pitchFamily="34" charset="0"/>
+              </a:rPr>
+              <a:t>5</a:t>
+            </a:r>
+            <a:r>
+              <a:rPr lang="zh-TW" altLang="en-US" dirty="0">
+                <a:ea typeface="標楷體" panose="03000509000000000000" pitchFamily="65" charset="-120"/>
+                <a:cs typeface="Arial" panose="020B0604020202020204" pitchFamily="34" charset="0"/>
+              </a:rPr>
+              <a:t>、澎湖</a:t>
             </a:r>
             <a:r>
               <a:rPr lang="en-US" dirty="0">
@@ -4149,7 +4577,7 @@
                 <a:latin typeface="標楷體" panose="03000509000000000000" pitchFamily="65" charset="-120"/>
                 <a:cs typeface="Arial" panose="020B0604020202020204" pitchFamily="34" charset="0"/>
               </a:rPr>
-              <a:t>的生物密度組成。總生物密度小於百分之一的生物以其他</a:t>
+              <a:t>的相對生物密度組成。總生物密度小於百分之一的生物以其他</a:t>
             </a:r>
             <a:r>
               <a:rPr lang="en-US" altLang="zh-TW" dirty="0">
@@ -4171,10 +4599,10 @@
       </p:sp>
       <p:pic>
         <p:nvPicPr>
-          <p:cNvPr id="7" name="圖片 6">
-            <a:extLst>
-              <a:ext uri="{FF2B5EF4-FFF2-40B4-BE49-F238E27FC236}">
-                <a16:creationId xmlns:a16="http://schemas.microsoft.com/office/drawing/2014/main" id="{4F277237-60E4-475E-BE82-E381F5277F52}"/>
+          <p:cNvPr id="5" name="圖片 4">
+            <a:extLst>
+              <a:ext uri="{FF2B5EF4-FFF2-40B4-BE49-F238E27FC236}">
+                <a16:creationId xmlns:a16="http://schemas.microsoft.com/office/drawing/2014/main" id="{1ECF53EC-E543-4CE3-B9DC-984A4911280B}"/>
               </a:ext>
             </a:extLst>
           </p:cNvPr>
@@ -4197,8 +4625,8 @@
         </p:blipFill>
         <p:spPr>
           <a:xfrm>
-            <a:off x="609590" y="257956"/>
-            <a:ext cx="10972822" cy="5486411"/>
+            <a:off x="609589" y="793803"/>
+            <a:ext cx="10972822" cy="4800610"/>
           </a:xfrm>
           <a:prstGeom prst="rect">
             <a:avLst/>
@@ -4208,7 +4636,7 @@
     </p:spTree>
     <p:extLst>
       <p:ext uri="{BB962C8B-B14F-4D97-AF65-F5344CB8AC3E}">
-        <p14:creationId xmlns:p14="http://schemas.microsoft.com/office/powerpoint/2010/main" val="349335023"/>
+        <p14:creationId xmlns:p14="http://schemas.microsoft.com/office/powerpoint/2010/main" val="3104534156"/>
       </p:ext>
     </p:extLst>
   </p:cSld>
@@ -4237,10 +4665,10 @@
       </p:grpSpPr>
       <p:sp>
         <p:nvSpPr>
-          <p:cNvPr id="8" name="矩形 7">
-            <a:extLst>
-              <a:ext uri="{FF2B5EF4-FFF2-40B4-BE49-F238E27FC236}">
-                <a16:creationId xmlns:a16="http://schemas.microsoft.com/office/drawing/2014/main" id="{6070CC63-B5CF-4664-9FCA-96CAF0F21108}"/>
+          <p:cNvPr id="4" name="矩形 3">
+            <a:extLst>
+              <a:ext uri="{FF2B5EF4-FFF2-40B4-BE49-F238E27FC236}">
+                <a16:creationId xmlns:a16="http://schemas.microsoft.com/office/drawing/2014/main" id="{821653CC-5C86-4C39-AD87-8E1A342138A8}"/>
               </a:ext>
             </a:extLst>
           </p:cNvPr>
@@ -4249,8 +4677,8 @@
         </p:nvSpPr>
         <p:spPr>
           <a:xfrm>
-            <a:off x="1211932" y="6063040"/>
-            <a:ext cx="10440376" cy="646331"/>
+            <a:off x="1262267" y="6021203"/>
+            <a:ext cx="9800028" cy="646331"/>
           </a:xfrm>
           <a:prstGeom prst="rect">
             <a:avLst/>
@@ -4267,7 +4695,21 @@
                 <a:ea typeface="標楷體" panose="03000509000000000000" pitchFamily="65" charset="-120"/>
                 <a:cs typeface="Arial" panose="020B0604020202020204" pitchFamily="34" charset="0"/>
               </a:rPr>
-              <a:t>澎湖</a:t>
+              <a:t>圖</a:t>
+            </a:r>
+            <a:r>
+              <a:rPr lang="en-US" altLang="zh-TW" dirty="0">
+                <a:ea typeface="標楷體" panose="03000509000000000000" pitchFamily="65" charset="-120"/>
+                <a:cs typeface="Arial" panose="020B0604020202020204" pitchFamily="34" charset="0"/>
+              </a:rPr>
+              <a:t>6</a:t>
+            </a:r>
+            <a:r>
+              <a:rPr lang="zh-TW" altLang="en-US" dirty="0">
+                <a:ea typeface="標楷體" panose="03000509000000000000" pitchFamily="65" charset="-120"/>
+                <a:cs typeface="Arial" panose="020B0604020202020204" pitchFamily="34" charset="0"/>
+              </a:rPr>
+              <a:t>、澎湖</a:t>
             </a:r>
             <a:r>
               <a:rPr lang="en-US" dirty="0">
@@ -4407,7 +4849,7 @@
                 <a:latin typeface="標楷體" panose="03000509000000000000" pitchFamily="65" charset="-120"/>
                 <a:cs typeface="Arial" panose="020B0604020202020204" pitchFamily="34" charset="0"/>
               </a:rPr>
-              <a:t>的生物量組成。總生物量小於百分之一的生物以其他</a:t>
+              <a:t>的相對生物量組成。總生物密度小於百分之一的生物以其他</a:t>
             </a:r>
             <a:r>
               <a:rPr lang="en-US" altLang="zh-TW" dirty="0">
@@ -4429,10 +4871,10 @@
       </p:sp>
       <p:pic>
         <p:nvPicPr>
-          <p:cNvPr id="12" name="圖片 11">
-            <a:extLst>
-              <a:ext uri="{FF2B5EF4-FFF2-40B4-BE49-F238E27FC236}">
-                <a16:creationId xmlns:a16="http://schemas.microsoft.com/office/drawing/2014/main" id="{BB780750-CCF0-496E-8D06-0593833B6F4B}"/>
+          <p:cNvPr id="5" name="圖片 4">
+            <a:extLst>
+              <a:ext uri="{FF2B5EF4-FFF2-40B4-BE49-F238E27FC236}">
+                <a16:creationId xmlns:a16="http://schemas.microsoft.com/office/drawing/2014/main" id="{9D6E988B-64A7-43B3-A34E-D0D05FA21D10}"/>
               </a:ext>
             </a:extLst>
           </p:cNvPr>
@@ -4455,8 +4897,8 @@
         </p:blipFill>
         <p:spPr>
           <a:xfrm>
-            <a:off x="458587" y="299901"/>
-            <a:ext cx="10972822" cy="5486411"/>
+            <a:off x="609589" y="1028695"/>
+            <a:ext cx="10972822" cy="4800610"/>
           </a:xfrm>
           <a:prstGeom prst="rect">
             <a:avLst/>
@@ -4466,7 +4908,7 @@
     </p:spTree>
     <p:extLst>
       <p:ext uri="{BB962C8B-B14F-4D97-AF65-F5344CB8AC3E}">
-        <p14:creationId xmlns:p14="http://schemas.microsoft.com/office/powerpoint/2010/main" val="755756141"/>
+        <p14:creationId xmlns:p14="http://schemas.microsoft.com/office/powerpoint/2010/main" val="1328079604"/>
       </p:ext>
     </p:extLst>
   </p:cSld>
@@ -4493,71 +4935,12 @@
           <a:chExt cx="0" cy="0"/>
         </a:xfrm>
       </p:grpSpPr>
-      <p:sp>
-        <p:nvSpPr>
-          <p:cNvPr id="4" name="矩形 3">
-            <a:extLst>
-              <a:ext uri="{FF2B5EF4-FFF2-40B4-BE49-F238E27FC236}">
-                <a16:creationId xmlns:a16="http://schemas.microsoft.com/office/drawing/2014/main" id="{2385647B-CA85-46F2-AF7D-4D43044DA185}"/>
-              </a:ext>
-            </a:extLst>
-          </p:cNvPr>
-          <p:cNvSpPr/>
-          <p:nvPr/>
-        </p:nvSpPr>
-        <p:spPr>
-          <a:xfrm>
-            <a:off x="9237532" y="1037359"/>
-            <a:ext cx="2758725" cy="1477328"/>
-          </a:xfrm>
-          <a:prstGeom prst="rect">
-            <a:avLst/>
-          </a:prstGeom>
-        </p:spPr>
-        <p:txBody>
-          <a:bodyPr wrap="square">
-            <a:spAutoFit/>
-          </a:bodyPr>
-          <a:lstStyle/>
-          <a:p>
-            <a:r>
-              <a:rPr lang="en-US" dirty="0">
-                <a:latin typeface="標楷體" panose="03000509000000000000" pitchFamily="65" charset="-120"/>
-                <a:cs typeface="Arial" panose="020B0604020202020204" pitchFamily="34" charset="0"/>
-              </a:rPr>
-              <a:t>(a)</a:t>
-            </a:r>
-            <a:r>
-              <a:rPr lang="zh-TW" altLang="en-US" dirty="0">
-                <a:latin typeface="標楷體" panose="03000509000000000000" pitchFamily="65" charset="-120"/>
-                <a:cs typeface="Arial" panose="020B0604020202020204" pitchFamily="34" charset="0"/>
-              </a:rPr>
-              <a:t>生物密度與</a:t>
-            </a:r>
-            <a:r>
-              <a:rPr lang="en-US" dirty="0">
-                <a:latin typeface="標楷體" panose="03000509000000000000" pitchFamily="65" charset="-120"/>
-                <a:cs typeface="Arial" panose="020B0604020202020204" pitchFamily="34" charset="0"/>
-              </a:rPr>
-              <a:t>(b)</a:t>
-            </a:r>
-            <a:r>
-              <a:rPr lang="zh-TW" altLang="en-US" dirty="0">
-                <a:latin typeface="標楷體" panose="03000509000000000000" pitchFamily="65" charset="-120"/>
-                <a:cs typeface="Arial" panose="020B0604020202020204" pitchFamily="34" charset="0"/>
-              </a:rPr>
-              <a:t>生物量的聚類分析圖。澎湖、台灣東北角、桃園、琉球、東台灣分別以黑色、紫色、灰色、橘色、綠色表示。</a:t>
-            </a:r>
-            <a:endParaRPr lang="en-US" dirty="0"/>
-          </a:p>
-        </p:txBody>
-      </p:sp>
       <p:pic>
         <p:nvPicPr>
-          <p:cNvPr id="8" name="圖片 7">
-            <a:extLst>
-              <a:ext uri="{FF2B5EF4-FFF2-40B4-BE49-F238E27FC236}">
-                <a16:creationId xmlns:a16="http://schemas.microsoft.com/office/drawing/2014/main" id="{5BE36871-35BD-4D29-B12A-AF5669C8AEA5}"/>
+          <p:cNvPr id="3" name="圖片 2">
+            <a:extLst>
+              <a:ext uri="{FF2B5EF4-FFF2-40B4-BE49-F238E27FC236}">
+                <a16:creationId xmlns:a16="http://schemas.microsoft.com/office/drawing/2014/main" id="{F15593F3-8687-4D62-982F-41D6E35CBE40}"/>
               </a:ext>
             </a:extLst>
           </p:cNvPr>
@@ -4580,18 +4963,147 @@
         </p:blipFill>
         <p:spPr>
           <a:xfrm>
-            <a:off x="0" y="0"/>
-            <a:ext cx="9144000" cy="6858000"/>
+            <a:off x="392011" y="0"/>
+            <a:ext cx="8572500" cy="6858000"/>
           </a:xfrm>
           <a:prstGeom prst="rect">
             <a:avLst/>
           </a:prstGeom>
         </p:spPr>
       </p:pic>
+      <p:sp>
+        <p:nvSpPr>
+          <p:cNvPr id="4" name="矩形 3">
+            <a:extLst>
+              <a:ext uri="{FF2B5EF4-FFF2-40B4-BE49-F238E27FC236}">
+                <a16:creationId xmlns:a16="http://schemas.microsoft.com/office/drawing/2014/main" id="{42B05100-5BA0-4BCF-B127-3E2E148680C7}"/>
+              </a:ext>
+            </a:extLst>
+          </p:cNvPr>
+          <p:cNvSpPr/>
+          <p:nvPr/>
+        </p:nvSpPr>
+        <p:spPr>
+          <a:xfrm>
+            <a:off x="8006491" y="727750"/>
+            <a:ext cx="3793498" cy="1200329"/>
+          </a:xfrm>
+          <a:prstGeom prst="rect">
+            <a:avLst/>
+          </a:prstGeom>
+        </p:spPr>
+        <p:txBody>
+          <a:bodyPr wrap="square">
+            <a:spAutoFit/>
+          </a:bodyPr>
+          <a:lstStyle/>
+          <a:p>
+            <a:r>
+              <a:rPr lang="zh-TW" altLang="en-US" dirty="0">
+                <a:ea typeface="標楷體" panose="03000509000000000000" pitchFamily="65" charset="-120"/>
+                <a:cs typeface="Arial" panose="020B0604020202020204" pitchFamily="34" charset="0"/>
+              </a:rPr>
+              <a:t>圖</a:t>
+            </a:r>
+            <a:r>
+              <a:rPr lang="en-US" altLang="zh-TW" dirty="0">
+                <a:ea typeface="標楷體" panose="03000509000000000000" pitchFamily="65" charset="-120"/>
+                <a:cs typeface="Arial" panose="020B0604020202020204" pitchFamily="34" charset="0"/>
+              </a:rPr>
+              <a:t>7</a:t>
+            </a:r>
+            <a:r>
+              <a:rPr lang="zh-TW" altLang="en-US" dirty="0">
+                <a:ea typeface="標楷體" panose="03000509000000000000" pitchFamily="65" charset="-120"/>
+                <a:cs typeface="Arial" panose="020B0604020202020204" pitchFamily="34" charset="0"/>
+              </a:rPr>
+              <a:t>、生物密度組成的</a:t>
+            </a:r>
+            <a:r>
+              <a:rPr lang="en-US" altLang="zh-TW" dirty="0">
+                <a:ea typeface="標楷體" panose="03000509000000000000" pitchFamily="65" charset="-120"/>
+                <a:cs typeface="Arial" panose="020B0604020202020204" pitchFamily="34" charset="0"/>
+              </a:rPr>
+              <a:t>(</a:t>
+            </a:r>
+            <a:r>
+              <a:rPr lang="en-US" altLang="zh-TW" dirty="0" err="1">
+                <a:ea typeface="標楷體" panose="03000509000000000000" pitchFamily="65" charset="-120"/>
+                <a:cs typeface="Arial" panose="020B0604020202020204" pitchFamily="34" charset="0"/>
+              </a:rPr>
+              <a:t>a,b</a:t>
+            </a:r>
+            <a:r>
+              <a:rPr lang="en-US" altLang="zh-TW" dirty="0">
+                <a:ea typeface="標楷體" panose="03000509000000000000" pitchFamily="65" charset="-120"/>
+                <a:cs typeface="Arial" panose="020B0604020202020204" pitchFamily="34" charset="0"/>
+              </a:rPr>
+              <a:t>)</a:t>
+            </a:r>
+            <a:r>
+              <a:rPr lang="zh-TW" altLang="en-US" dirty="0">
+                <a:latin typeface="標楷體" panose="03000509000000000000" pitchFamily="65" charset="-120"/>
+                <a:cs typeface="Arial" panose="020B0604020202020204" pitchFamily="34" charset="0"/>
+              </a:rPr>
+              <a:t>主成分分析圖與</a:t>
+            </a:r>
+            <a:r>
+              <a:rPr lang="en-US" altLang="zh-TW" dirty="0">
+                <a:latin typeface="標楷體" panose="03000509000000000000" pitchFamily="65" charset="-120"/>
+                <a:cs typeface="Arial" panose="020B0604020202020204" pitchFamily="34" charset="0"/>
+              </a:rPr>
+              <a:t>(c)</a:t>
+            </a:r>
+            <a:r>
+              <a:rPr lang="zh-TW" altLang="en-US" dirty="0">
+                <a:latin typeface="標楷體" panose="03000509000000000000" pitchFamily="65" charset="-120"/>
+                <a:cs typeface="Arial" panose="020B0604020202020204" pitchFamily="34" charset="0"/>
+              </a:rPr>
+              <a:t>階層分析圖。主成分分析圖拆分成</a:t>
+            </a:r>
+            <a:r>
+              <a:rPr lang="zh-TW" altLang="en-US" dirty="0">
+                <a:ea typeface="標楷體" panose="03000509000000000000" pitchFamily="65" charset="-120"/>
+                <a:cs typeface="Arial" panose="020B0604020202020204" pitchFamily="34" charset="0"/>
+              </a:rPr>
+              <a:t>兩圖以凸顯</a:t>
+            </a:r>
+            <a:r>
+              <a:rPr lang="en-US" altLang="zh-TW" dirty="0">
+                <a:ea typeface="標楷體" panose="03000509000000000000" pitchFamily="65" charset="-120"/>
+                <a:cs typeface="Arial" panose="020B0604020202020204" pitchFamily="34" charset="0"/>
+              </a:rPr>
+              <a:t>(a)</a:t>
+            </a:r>
+            <a:r>
+              <a:rPr lang="zh-TW" altLang="en-US" dirty="0">
+                <a:ea typeface="標楷體" panose="03000509000000000000" pitchFamily="65" charset="-120"/>
+                <a:cs typeface="Arial" panose="020B0604020202020204" pitchFamily="34" charset="0"/>
+              </a:rPr>
+              <a:t>站位的分布樣與</a:t>
+            </a:r>
+            <a:r>
+              <a:rPr lang="en-US" altLang="zh-TW" dirty="0">
+                <a:ea typeface="標楷體" panose="03000509000000000000" pitchFamily="65" charset="-120"/>
+                <a:cs typeface="Arial" panose="020B0604020202020204" pitchFamily="34" charset="0"/>
+              </a:rPr>
+              <a:t>(b)</a:t>
+            </a:r>
+            <a:r>
+              <a:rPr lang="zh-TW" altLang="en-US" dirty="0">
+                <a:ea typeface="標楷體" panose="03000509000000000000" pitchFamily="65" charset="-120"/>
+                <a:cs typeface="Arial" panose="020B0604020202020204" pitchFamily="34" charset="0"/>
+              </a:rPr>
+              <a:t>生物貢獻。</a:t>
+            </a:r>
+            <a:endParaRPr lang="en-US" dirty="0"/>
+          </a:p>
+        </p:txBody>
+      </p:sp>
     </p:spTree>
     <p:extLst>
       <p:ext uri="{BB962C8B-B14F-4D97-AF65-F5344CB8AC3E}">
-        <p14:creationId xmlns:p14="http://schemas.microsoft.com/office/powerpoint/2010/main" val="4223478942"/>
+        <p14:creationId xmlns:p14="http://schemas.microsoft.com/office/powerpoint/2010/main" val="4294356502"/>
       </p:ext>
     </p:extLst>
   </p:cSld>
@@ -4623,7 +5135,7 @@
           <p:cNvPr id="3" name="圖片 2">
             <a:extLst>
               <a:ext uri="{FF2B5EF4-FFF2-40B4-BE49-F238E27FC236}">
-                <a16:creationId xmlns:a16="http://schemas.microsoft.com/office/drawing/2014/main" id="{FBBBD8A4-14DA-4ECF-B96E-48E33E902F76}"/>
+                <a16:creationId xmlns:a16="http://schemas.microsoft.com/office/drawing/2014/main" id="{2DEDCEB4-7221-4785-81E7-8E02C7ECDA1E}"/>
               </a:ext>
             </a:extLst>
           </p:cNvPr>
@@ -4646,8 +5158,8 @@
         </p:blipFill>
         <p:spPr>
           <a:xfrm>
-            <a:off x="307596" y="75501"/>
-            <a:ext cx="10972800" cy="6858000"/>
+            <a:off x="300519" y="0"/>
+            <a:ext cx="7715250" cy="6858000"/>
           </a:xfrm>
           <a:prstGeom prst="rect">
             <a:avLst/>
@@ -4656,10 +5168,10 @@
       </p:pic>
       <p:sp>
         <p:nvSpPr>
-          <p:cNvPr id="5" name="矩形 4">
-            <a:extLst>
-              <a:ext uri="{FF2B5EF4-FFF2-40B4-BE49-F238E27FC236}">
-                <a16:creationId xmlns:a16="http://schemas.microsoft.com/office/drawing/2014/main" id="{FD718D0C-275B-4190-9335-B3DF573081D7}"/>
+          <p:cNvPr id="4" name="矩形 3">
+            <a:extLst>
+              <a:ext uri="{FF2B5EF4-FFF2-40B4-BE49-F238E27FC236}">
+                <a16:creationId xmlns:a16="http://schemas.microsoft.com/office/drawing/2014/main" id="{E7484B97-1323-4DE2-9554-0C55F366C97C}"/>
               </a:ext>
             </a:extLst>
           </p:cNvPr>
@@ -4668,46 +5180,116 @@
         </p:nvSpPr>
         <p:spPr>
           <a:xfrm>
-            <a:off x="2670496" y="5958092"/>
-            <a:ext cx="6096000" cy="923330"/>
+            <a:off x="7376719" y="903643"/>
+            <a:ext cx="4325923" cy="923330"/>
           </a:xfrm>
           <a:prstGeom prst="rect">
             <a:avLst/>
           </a:prstGeom>
         </p:spPr>
         <p:txBody>
-          <a:bodyPr>
+          <a:bodyPr wrap="square">
             <a:spAutoFit/>
           </a:bodyPr>
           <a:lstStyle/>
           <a:p>
             <a:r>
-              <a:rPr lang="en-US" dirty="0">
-                <a:latin typeface="標楷體" panose="03000509000000000000" pitchFamily="65" charset="-120"/>
+              <a:rPr lang="zh-TW" altLang="en-US" dirty="0">
+                <a:ea typeface="標楷體" panose="03000509000000000000" pitchFamily="65" charset="-120"/>
+                <a:cs typeface="Arial" panose="020B0604020202020204" pitchFamily="34" charset="0"/>
+              </a:rPr>
+              <a:t>圖</a:t>
+            </a:r>
+            <a:r>
+              <a:rPr lang="en-US" altLang="zh-TW" dirty="0">
+                <a:ea typeface="標楷體" panose="03000509000000000000" pitchFamily="65" charset="-120"/>
+                <a:cs typeface="Arial" panose="020B0604020202020204" pitchFamily="34" charset="0"/>
+              </a:rPr>
+              <a:t>8</a:t>
+            </a:r>
+            <a:r>
+              <a:rPr lang="zh-TW" altLang="en-US" dirty="0">
+                <a:ea typeface="標楷體" panose="03000509000000000000" pitchFamily="65" charset="-120"/>
+                <a:cs typeface="Arial" panose="020B0604020202020204" pitchFamily="34" charset="0"/>
+              </a:rPr>
+              <a:t>、生物量組成的</a:t>
+            </a:r>
+            <a:r>
+              <a:rPr lang="en-US" altLang="zh-TW" dirty="0">
+                <a:ea typeface="標楷體" panose="03000509000000000000" pitchFamily="65" charset="-120"/>
+                <a:cs typeface="Arial" panose="020B0604020202020204" pitchFamily="34" charset="0"/>
+              </a:rPr>
+              <a:t>(</a:t>
+            </a:r>
+            <a:r>
+              <a:rPr lang="en-US" altLang="zh-TW" dirty="0" err="1">
+                <a:ea typeface="標楷體" panose="03000509000000000000" pitchFamily="65" charset="-120"/>
+                <a:cs typeface="Arial" panose="020B0604020202020204" pitchFamily="34" charset="0"/>
+              </a:rPr>
+              <a:t>a,b</a:t>
+            </a:r>
+            <a:r>
+              <a:rPr lang="en-US" altLang="zh-TW" dirty="0">
+                <a:ea typeface="標楷體" panose="03000509000000000000" pitchFamily="65" charset="-120"/>
+                <a:cs typeface="Arial" panose="020B0604020202020204" pitchFamily="34" charset="0"/>
+              </a:rPr>
+              <a:t>)</a:t>
+            </a:r>
+            <a:r>
+              <a:rPr lang="zh-TW" altLang="en-US" dirty="0">
+                <a:latin typeface="標楷體" panose="03000509000000000000" pitchFamily="65" charset="-120"/>
+                <a:cs typeface="Arial" panose="020B0604020202020204" pitchFamily="34" charset="0"/>
+              </a:rPr>
+              <a:t>主成分分析圖與</a:t>
+            </a:r>
+            <a:r>
+              <a:rPr lang="en-US" altLang="zh-TW" dirty="0">
+                <a:latin typeface="標楷體" panose="03000509000000000000" pitchFamily="65" charset="-120"/>
+                <a:cs typeface="Arial" panose="020B0604020202020204" pitchFamily="34" charset="0"/>
+              </a:rPr>
+              <a:t>(c)</a:t>
+            </a:r>
+            <a:r>
+              <a:rPr lang="zh-TW" altLang="en-US" dirty="0">
+                <a:latin typeface="標楷體" panose="03000509000000000000" pitchFamily="65" charset="-120"/>
+                <a:cs typeface="Arial" panose="020B0604020202020204" pitchFamily="34" charset="0"/>
+              </a:rPr>
+              <a:t>階層分析圖。主成分分析圖拆分成</a:t>
+            </a:r>
+            <a:r>
+              <a:rPr lang="zh-TW" altLang="en-US" dirty="0">
+                <a:ea typeface="標楷體" panose="03000509000000000000" pitchFamily="65" charset="-120"/>
+                <a:cs typeface="Arial" panose="020B0604020202020204" pitchFamily="34" charset="0"/>
+              </a:rPr>
+              <a:t>兩圖以凸顯</a:t>
+            </a:r>
+            <a:r>
+              <a:rPr lang="en-US" altLang="zh-TW" dirty="0">
+                <a:ea typeface="標楷體" panose="03000509000000000000" pitchFamily="65" charset="-120"/>
                 <a:cs typeface="Arial" panose="020B0604020202020204" pitchFamily="34" charset="0"/>
               </a:rPr>
               <a:t>(a)</a:t>
             </a:r>
             <a:r>
               <a:rPr lang="zh-TW" altLang="en-US" dirty="0">
-                <a:latin typeface="標楷體" panose="03000509000000000000" pitchFamily="65" charset="-120"/>
-                <a:cs typeface="Arial" panose="020B0604020202020204" pitchFamily="34" charset="0"/>
-              </a:rPr>
-              <a:t>生物密度與</a:t>
-            </a:r>
-            <a:r>
-              <a:rPr lang="en-US" dirty="0">
-                <a:latin typeface="標楷體" panose="03000509000000000000" pitchFamily="65" charset="-120"/>
+                <a:ea typeface="標楷體" panose="03000509000000000000" pitchFamily="65" charset="-120"/>
+                <a:cs typeface="Arial" panose="020B0604020202020204" pitchFamily="34" charset="0"/>
+              </a:rPr>
+              <a:t>站位的分布樣與</a:t>
+            </a:r>
+            <a:r>
+              <a:rPr lang="en-US" altLang="zh-TW" dirty="0">
+                <a:ea typeface="標楷體" panose="03000509000000000000" pitchFamily="65" charset="-120"/>
                 <a:cs typeface="Arial" panose="020B0604020202020204" pitchFamily="34" charset="0"/>
               </a:rPr>
               <a:t>(b)</a:t>
             </a:r>
             <a:r>
               <a:rPr lang="zh-TW" altLang="en-US" dirty="0">
-                <a:latin typeface="標楷體" panose="03000509000000000000" pitchFamily="65" charset="-120"/>
-                <a:cs typeface="Arial" panose="020B0604020202020204" pitchFamily="34" charset="0"/>
-              </a:rPr>
-              <a:t>生物量的非度量多維度分析圖。澎湖、台灣東北角、桃園、琉球、東台灣分別以黑色、紫色、灰色、橘色、綠色表示。</a:t>
+                <a:ea typeface="標楷體" panose="03000509000000000000" pitchFamily="65" charset="-120"/>
+                <a:cs typeface="Arial" panose="020B0604020202020204" pitchFamily="34" charset="0"/>
+              </a:rPr>
+              <a:t>生物貢獻。</a:t>
             </a:r>
             <a:endParaRPr lang="en-US" dirty="0"/>
           </a:p>
@@ -4716,7 +5298,7 @@
     </p:spTree>
     <p:extLst>
       <p:ext uri="{BB962C8B-B14F-4D97-AF65-F5344CB8AC3E}">
-        <p14:creationId xmlns:p14="http://schemas.microsoft.com/office/powerpoint/2010/main" val="3609940186"/>
+        <p14:creationId xmlns:p14="http://schemas.microsoft.com/office/powerpoint/2010/main" val="137165337"/>
       </p:ext>
     </p:extLst>
   </p:cSld>
